--- a/docs/Examples/Elements/BasicElements/PistonCylinderNonidealDieselMV01_ex02/makeFigs.pptx
+++ b/docs/Examples/Elements/BasicElements/PistonCylinderNonidealDieselMV01_ex02/makeFigs.pptx
@@ -8,6 +8,7 @@
   <p:sldIdLst>
     <p:sldId id="256" r:id="rId4"/>
     <p:sldId id="257" r:id="rId5"/>
+    <p:sldId id="258" r:id="rId6"/>
   </p:sldIdLst>
   <p:sldSz cx="10080625" cy="5670550"/>
   <p:notesSz cx="7559675" cy="10691812"/>
@@ -3328,13 +3329,15 @@
           <p:nvPr/>
         </p:nvPicPr>
         <p:blipFill>
-          <a:blip r:embed="rId1"/>
+          <a:blip r:embed="rId1">
+            <a:alphaModFix amt="70000"/>
+          </a:blip>
           <a:stretch/>
         </p:blipFill>
         <p:spPr>
           <a:xfrm>
             <a:off x="506160" y="-2160"/>
-            <a:ext cx="9066600" cy="5670360"/>
+            <a:ext cx="9066240" cy="5670000"/>
           </a:xfrm>
           <a:prstGeom prst="rect">
             <a:avLst/>
@@ -3381,13 +3384,15 @@
           <p:nvPr/>
         </p:nvPicPr>
         <p:blipFill>
-          <a:blip r:embed="rId1"/>
+          <a:blip r:embed="rId1">
+            <a:alphaModFix amt="70000"/>
+          </a:blip>
           <a:stretch/>
         </p:blipFill>
         <p:spPr>
           <a:xfrm>
-            <a:off x="506520" y="-1800"/>
-            <a:ext cx="9066600" cy="5670360"/>
+            <a:off x="506160" y="-2160"/>
+            <a:ext cx="9066240" cy="5670000"/>
           </a:xfrm>
           <a:prstGeom prst="rect">
             <a:avLst/>
@@ -3405,14 +3410,16 @@
         </p:nvSpPr>
         <p:spPr>
           <a:xfrm>
-            <a:off x="540000" y="4212000"/>
-            <a:ext cx="899640" cy="231840"/>
+            <a:off x="180000" y="5040000"/>
+            <a:ext cx="1620000" cy="360000"/>
           </a:xfrm>
           <a:prstGeom prst="rect">
             <a:avLst/>
           </a:prstGeom>
           <a:solidFill>
-            <a:srgbClr val="b4c7dc"/>
+            <a:srgbClr val="729fcf">
+              <a:alpha val="70000"/>
+            </a:srgbClr>
           </a:solidFill>
           <a:ln w="0">
             <a:noFill/>
@@ -3435,13 +3442,43 @@
               </a:lnSpc>
             </a:pPr>
             <a:r>
-              <a:rPr b="0" lang="en-US" sz="1000" spc="-1" strike="noStrike">
-                <a:latin typeface="Arial"/>
-              </a:rPr>
-              <a:t>Inputs</a:t>
-            </a:r>
-            <a:endParaRPr b="0" lang="en-US" sz="1000" spc="-1" strike="noStrike">
-              <a:latin typeface="Arial"/>
+              <a:rPr b="0" lang="en-US" sz="800" spc="-1" strike="noStrike">
+                <a:latin typeface="ＭＳ Ｐゴシック"/>
+              </a:rPr>
+              <a:t>Inputs:</a:t>
+            </a:r>
+            <a:endParaRPr b="0" lang="en-US" sz="800" spc="-1" strike="noStrike">
+              <a:latin typeface="ＭＳ Ｐゴシック"/>
+            </a:endParaRPr>
+          </a:p>
+          <a:p>
+            <a:pPr>
+              <a:lnSpc>
+                <a:spcPct val="100000"/>
+              </a:lnSpc>
+            </a:pPr>
+            <a:r>
+              <a:rPr b="0" lang="en-US" sz="800" spc="-1" strike="noStrike">
+                <a:solidFill>
+                  <a:srgbClr val="000000"/>
+                </a:solidFill>
+                <a:latin typeface="ＭＳ Ｐゴシック"/>
+                <a:ea typeface="ＭＳ Ｐゴシック"/>
+              </a:rPr>
+              <a:t> </a:t>
+            </a:r>
+            <a:r>
+              <a:rPr b="0" lang="en-US" sz="800" spc="-1" strike="noStrike">
+                <a:solidFill>
+                  <a:srgbClr val="000000"/>
+                </a:solidFill>
+                <a:latin typeface="ＭＳ Ｐゴシック"/>
+                <a:ea typeface="ＭＳ Ｐゴシック"/>
+              </a:rPr>
+              <a:t>Opening of fuel throttle valve.</a:t>
+            </a:r>
+            <a:endParaRPr b="0" lang="en-US" sz="800" spc="-1" strike="noStrike">
+              <a:latin typeface="ＭＳ Ｐゴシック"/>
             </a:endParaRPr>
           </a:p>
         </p:txBody>
@@ -3454,14 +3491,16 @@
         </p:nvSpPr>
         <p:spPr>
           <a:xfrm>
-            <a:off x="4140000" y="1692000"/>
-            <a:ext cx="2159640" cy="596880"/>
+            <a:off x="0" y="1080000"/>
+            <a:ext cx="1080000" cy="540000"/>
           </a:xfrm>
           <a:prstGeom prst="rect">
             <a:avLst/>
           </a:prstGeom>
           <a:solidFill>
-            <a:srgbClr val="bbe33d"/>
+            <a:srgbClr val="729fcf">
+              <a:alpha val="70000"/>
+            </a:srgbClr>
           </a:solidFill>
           <a:ln w="0">
             <a:noFill/>
@@ -3484,16 +3523,13 @@
               </a:lnSpc>
             </a:pPr>
             <a:r>
-              <a:rPr b="0" lang="en-US" sz="1000" spc="-1" strike="noStrike">
-                <a:solidFill>
-                  <a:srgbClr val="000000"/>
-                </a:solidFill>
+              <a:rPr b="0" lang="en-US" sz="800" spc="-1" strike="noStrike">
                 <a:latin typeface="ＭＳ Ｐゴシック"/>
               </a:rPr>
-              <a:t>Controllable flow restriction. </a:t>
-            </a:r>
-            <a:endParaRPr b="0" lang="en-US" sz="1000" spc="-1" strike="noStrike">
-              <a:latin typeface="Arial"/>
+              <a:t>Inputs:</a:t>
+            </a:r>
+            <a:endParaRPr b="0" lang="en-US" sz="800" spc="-1" strike="noStrike">
+              <a:latin typeface="ＭＳ Ｐゴシック"/>
             </a:endParaRPr>
           </a:p>
           <a:p>
@@ -3503,39 +3539,605 @@
               </a:lnSpc>
             </a:pPr>
             <a:r>
-              <a:rPr b="0" lang="en-US" sz="1000" spc="-1" strike="noStrike">
+              <a:rPr b="0" lang="en-US" sz="800" spc="-1" strike="noStrike">
                 <a:solidFill>
                   <a:srgbClr val="000000"/>
                 </a:solidFill>
                 <a:latin typeface="ＭＳ Ｐゴシック"/>
+                <a:ea typeface="ＭＳ Ｐゴシック"/>
               </a:rPr>
               <a:t> </a:t>
             </a:r>
             <a:r>
-              <a:rPr b="0" lang="en-US" sz="1000" spc="-1" strike="noStrike">
+              <a:rPr b="0" lang="en-US" sz="800" spc="-1" strike="noStrike">
                 <a:solidFill>
                   <a:srgbClr val="000000"/>
                 </a:solidFill>
                 <a:latin typeface="ＭＳ Ｐゴシック"/>
-              </a:rPr>
-              <a:t>The pressure loss coefficient can be manipulated by external real signal.</a:t>
-            </a:r>
-            <a:endParaRPr b="0" lang="en-US" sz="1000" spc="-1" strike="noStrike">
-              <a:latin typeface="Arial"/>
-            </a:endParaRPr>
-          </a:p>
+                <a:ea typeface="ＭＳ Ｐゴシック"/>
+              </a:rPr>
+              <a:t>inlet fluid states, p and T.</a:t>
+            </a:r>
+            <a:endParaRPr b="0" lang="en-US" sz="800" spc="-1" strike="noStrike">
+              <a:latin typeface="ＭＳ Ｐゴシック"/>
+            </a:endParaRPr>
+          </a:p>
+        </p:txBody>
+      </p:sp>
+      <p:sp>
+        <p:nvSpPr>
+          <p:cNvPr id="80" name=""/>
+          <p:cNvSpPr/>
+          <p:nvPr/>
+        </p:nvSpPr>
+        <p:spPr>
+          <a:xfrm>
+            <a:off x="6120000" y="4140000"/>
+            <a:ext cx="2808000" cy="720000"/>
+          </a:xfrm>
+          <a:prstGeom prst="rect">
+            <a:avLst/>
+          </a:prstGeom>
+          <a:solidFill>
+            <a:srgbClr val="81d41a">
+              <a:alpha val="70000"/>
+            </a:srgbClr>
+          </a:solidFill>
+          <a:ln w="0">
+            <a:noFill/>
+          </a:ln>
+        </p:spPr>
+        <p:style>
+          <a:lnRef idx="0"/>
+          <a:fillRef idx="0"/>
+          <a:effectRef idx="0"/>
+          <a:fontRef idx="minor"/>
+        </p:style>
+        <p:txBody>
+          <a:bodyPr lIns="90000" rIns="90000" tIns="45000" bIns="45000">
+            <a:noAutofit/>
+          </a:bodyPr>
           <a:p>
             <a:pPr>
               <a:lnSpc>
                 <a:spcPct val="100000"/>
               </a:lnSpc>
             </a:pPr>
-            <a:endParaRPr b="0" lang="en-US" sz="1000" spc="-1" strike="noStrike">
-              <a:latin typeface="Arial"/>
-            </a:endParaRPr>
-          </a:p>
-        </p:txBody>
-      </p:sp>
+            <a:r>
+              <a:rPr b="0" lang="en-US" sz="800" spc="-1" strike="noStrike">
+                <a:solidFill>
+                  <a:srgbClr val="000000"/>
+                </a:solidFill>
+                <a:latin typeface="ＭＳ Ｐゴシック"/>
+                <a:ea typeface="ＭＳ Ｐゴシック"/>
+              </a:rPr>
+              <a:t> </a:t>
+            </a:r>
+            <a:r>
+              <a:rPr b="0" lang="en-US" sz="800" spc="-1" strike="noStrike">
+                <a:solidFill>
+                  <a:srgbClr val="000000"/>
+                </a:solidFill>
+                <a:latin typeface="ＭＳ Ｐゴシック"/>
+                <a:ea typeface="ＭＳ Ｐゴシック"/>
+              </a:rPr>
+              <a:t>Viscos friction. The friction torque is proportional to the shaft absolute angular velocity (shaft speed relative to fixed surrounding world) of shaft speed.</a:t>
+            </a:r>
+            <a:endParaRPr b="0" lang="en-US" sz="800" spc="-1" strike="noStrike">
+              <a:latin typeface="ＭＳ Ｐゴシック"/>
+            </a:endParaRPr>
+          </a:p>
+          <a:p>
+            <a:pPr>
+              <a:lnSpc>
+                <a:spcPct val="100000"/>
+              </a:lnSpc>
+            </a:pPr>
+            <a:r>
+              <a:rPr b="0" lang="en-US" sz="800" spc="-1" strike="noStrike">
+                <a:solidFill>
+                  <a:srgbClr val="000000"/>
+                </a:solidFill>
+                <a:latin typeface="ＭＳ Ｐゴシック"/>
+                <a:ea typeface="ＭＳ Ｐゴシック"/>
+              </a:rPr>
+              <a:t> </a:t>
+            </a:r>
+            <a:r>
+              <a:rPr b="0" lang="en-US" sz="800" spc="-1" strike="noStrike">
+                <a:solidFill>
+                  <a:srgbClr val="000000"/>
+                </a:solidFill>
+                <a:latin typeface="ＭＳ Ｐゴシック"/>
+                <a:ea typeface="ＭＳ Ｐゴシック"/>
+              </a:rPr>
+              <a:t>Shaft rotation gets steady at the angular speed at which the engine torque output is in equilibrium with friction torque. </a:t>
+            </a:r>
+            <a:endParaRPr b="0" lang="en-US" sz="800" spc="-1" strike="noStrike">
+              <a:latin typeface="ＭＳ Ｐゴシック"/>
+            </a:endParaRPr>
+          </a:p>
+        </p:txBody>
+      </p:sp>
+      <p:sp>
+        <p:nvSpPr>
+          <p:cNvPr id="81" name=""/>
+          <p:cNvSpPr/>
+          <p:nvPr/>
+        </p:nvSpPr>
+        <p:spPr>
+          <a:xfrm>
+            <a:off x="8280000" y="2340000"/>
+            <a:ext cx="1620000" cy="360000"/>
+          </a:xfrm>
+          <a:prstGeom prst="rect">
+            <a:avLst/>
+          </a:prstGeom>
+          <a:solidFill>
+            <a:srgbClr val="729fcf">
+              <a:alpha val="70000"/>
+            </a:srgbClr>
+          </a:solidFill>
+          <a:ln w="0">
+            <a:noFill/>
+          </a:ln>
+        </p:spPr>
+        <p:style>
+          <a:lnRef idx="0"/>
+          <a:fillRef idx="0"/>
+          <a:effectRef idx="0"/>
+          <a:fontRef idx="minor"/>
+        </p:style>
+        <p:txBody>
+          <a:bodyPr lIns="90000" rIns="90000" tIns="45000" bIns="45000">
+            <a:noAutofit/>
+          </a:bodyPr>
+          <a:p>
+            <a:pPr>
+              <a:lnSpc>
+                <a:spcPct val="100000"/>
+              </a:lnSpc>
+            </a:pPr>
+            <a:r>
+              <a:rPr b="0" lang="en-US" sz="800" spc="-1" strike="noStrike">
+                <a:latin typeface="ＭＳ Ｐゴシック"/>
+              </a:rPr>
+              <a:t>Inputs:</a:t>
+            </a:r>
+            <a:endParaRPr b="0" lang="en-US" sz="800" spc="-1" strike="noStrike">
+              <a:latin typeface="ＭＳ Ｐゴシック"/>
+            </a:endParaRPr>
+          </a:p>
+          <a:p>
+            <a:pPr>
+              <a:lnSpc>
+                <a:spcPct val="100000"/>
+              </a:lnSpc>
+            </a:pPr>
+            <a:r>
+              <a:rPr b="0" lang="en-US" sz="800" spc="-1" strike="noStrike">
+                <a:solidFill>
+                  <a:srgbClr val="000000"/>
+                </a:solidFill>
+                <a:latin typeface="ＭＳ Ｐゴシック"/>
+                <a:ea typeface="ＭＳ Ｐゴシック"/>
+              </a:rPr>
+              <a:t> </a:t>
+            </a:r>
+            <a:r>
+              <a:rPr b="0" lang="en-US" sz="800" spc="-1" strike="noStrike">
+                <a:solidFill>
+                  <a:srgbClr val="000000"/>
+                </a:solidFill>
+                <a:latin typeface="ＭＳ Ｐゴシック"/>
+                <a:ea typeface="ＭＳ Ｐゴシック"/>
+              </a:rPr>
+              <a:t>Additional load can be applied.</a:t>
+            </a:r>
+            <a:endParaRPr b="0" lang="en-US" sz="800" spc="-1" strike="noStrike">
+              <a:latin typeface="ＭＳ Ｐゴシック"/>
+            </a:endParaRPr>
+          </a:p>
+        </p:txBody>
+      </p:sp>
+      <p:sp>
+        <p:nvSpPr>
+          <p:cNvPr id="82" name=""/>
+          <p:cNvSpPr/>
+          <p:nvPr/>
+        </p:nvSpPr>
+        <p:spPr>
+          <a:xfrm>
+            <a:off x="5220000" y="1080000"/>
+            <a:ext cx="1620000" cy="540000"/>
+          </a:xfrm>
+          <a:prstGeom prst="rect">
+            <a:avLst/>
+          </a:prstGeom>
+          <a:solidFill>
+            <a:srgbClr val="81d41a">
+              <a:alpha val="70000"/>
+            </a:srgbClr>
+          </a:solidFill>
+          <a:ln w="0">
+            <a:noFill/>
+          </a:ln>
+        </p:spPr>
+        <p:style>
+          <a:lnRef idx="0"/>
+          <a:fillRef idx="0"/>
+          <a:effectRef idx="0"/>
+          <a:fontRef idx="minor"/>
+        </p:style>
+        <p:txBody>
+          <a:bodyPr lIns="90000" rIns="90000" tIns="45000" bIns="45000">
+            <a:noAutofit/>
+          </a:bodyPr>
+          <a:p>
+            <a:pPr>
+              <a:lnSpc>
+                <a:spcPct val="100000"/>
+              </a:lnSpc>
+            </a:pPr>
+            <a:r>
+              <a:rPr b="0" lang="en-US" sz="800" spc="-1" strike="noStrike">
+                <a:solidFill>
+                  <a:srgbClr val="000000"/>
+                </a:solidFill>
+                <a:latin typeface="ＭＳ Ｐゴシック"/>
+                <a:ea typeface="ＭＳ Ｐゴシック"/>
+              </a:rPr>
+              <a:t> </a:t>
+            </a:r>
+            <a:r>
+              <a:rPr b="0" lang="en-US" sz="800" spc="-1" strike="noStrike">
+                <a:solidFill>
+                  <a:srgbClr val="000000"/>
+                </a:solidFill>
+                <a:latin typeface="ＭＳ Ｐゴシック"/>
+                <a:ea typeface="ＭＳ Ｐゴシック"/>
+              </a:rPr>
+              <a:t>Output the pressure after compression (p of state-2) for fuel supply system modeling purpose </a:t>
+            </a:r>
+            <a:endParaRPr b="0" lang="en-US" sz="800" spc="-1" strike="noStrike">
+              <a:latin typeface="ＭＳ Ｐゴシック"/>
+            </a:endParaRPr>
+          </a:p>
+        </p:txBody>
+      </p:sp>
+      <p:sp>
+        <p:nvSpPr>
+          <p:cNvPr id="83" name=""/>
+          <p:cNvSpPr/>
+          <p:nvPr/>
+        </p:nvSpPr>
+        <p:spPr>
+          <a:xfrm>
+            <a:off x="5940000" y="1620000"/>
+            <a:ext cx="180000" cy="360000"/>
+          </a:xfrm>
+          <a:prstGeom prst="line">
+            <a:avLst/>
+          </a:prstGeom>
+          <a:ln w="0">
+            <a:solidFill>
+              <a:srgbClr val="000000"/>
+            </a:solidFill>
+            <a:tailEnd len="med" type="triangle" w="med"/>
+          </a:ln>
+        </p:spPr>
+        <p:style>
+          <a:lnRef idx="0"/>
+          <a:fillRef idx="0"/>
+          <a:effectRef idx="0"/>
+          <a:fontRef idx="minor"/>
+        </p:style>
+      </p:sp>
+      <p:sp>
+        <p:nvSpPr>
+          <p:cNvPr id="84" name=""/>
+          <p:cNvSpPr/>
+          <p:nvPr/>
+        </p:nvSpPr>
+        <p:spPr>
+          <a:xfrm>
+            <a:off x="1440000" y="1800000"/>
+            <a:ext cx="4140000" cy="2520000"/>
+          </a:xfrm>
+          <a:prstGeom prst="rect">
+            <a:avLst/>
+          </a:prstGeom>
+          <a:gradFill rotWithShape="0">
+            <a:gsLst>
+              <a:gs pos="75000">
+                <a:srgbClr val="ffffff">
+                  <a:alpha val="0"/>
+                </a:srgbClr>
+              </a:gs>
+              <a:gs pos="100000">
+                <a:srgbClr val="dddddd">
+                  <a:alpha val="0"/>
+                </a:srgbClr>
+              </a:gs>
+            </a:gsLst>
+            <a:lin ang="0"/>
+          </a:gradFill>
+          <a:ln w="18000">
+            <a:solidFill>
+              <a:srgbClr val="000000"/>
+            </a:solidFill>
+            <a:prstDash val="dash"/>
+            <a:round/>
+          </a:ln>
+        </p:spPr>
+        <p:style>
+          <a:lnRef idx="0"/>
+          <a:fillRef idx="0"/>
+          <a:effectRef idx="0"/>
+          <a:fontRef idx="minor"/>
+        </p:style>
+      </p:sp>
+      <p:sp>
+        <p:nvSpPr>
+          <p:cNvPr id="85" name=""/>
+          <p:cNvSpPr txBox="1"/>
+          <p:nvPr/>
+        </p:nvSpPr>
+        <p:spPr>
+          <a:xfrm>
+            <a:off x="3384000" y="4365360"/>
+            <a:ext cx="2160000" cy="242640"/>
+          </a:xfrm>
+          <a:prstGeom prst="rect">
+            <a:avLst/>
+          </a:prstGeom>
+          <a:noFill/>
+          <a:ln w="0">
+            <a:noFill/>
+          </a:ln>
+        </p:spPr>
+        <p:txBody>
+          <a:bodyPr lIns="90000" rIns="90000" tIns="45000" bIns="45000">
+            <a:noAutofit/>
+          </a:bodyPr>
+          <a:p>
+            <a:r>
+              <a:rPr b="0" lang="en-US" sz="1200" spc="-1" strike="noStrike">
+                <a:latin typeface="ＭＳ Ｐゴシック"/>
+              </a:rPr>
+              <a:t>Simplified fuel supply system</a:t>
+            </a:r>
+            <a:endParaRPr b="0" lang="en-US" sz="1200" spc="-1" strike="noStrike">
+              <a:latin typeface="ＭＳ Ｐゴシック"/>
+            </a:endParaRPr>
+          </a:p>
+        </p:txBody>
+      </p:sp>
+      <p:sp>
+        <p:nvSpPr>
+          <p:cNvPr id="86" name=""/>
+          <p:cNvSpPr/>
+          <p:nvPr/>
+        </p:nvSpPr>
+        <p:spPr>
+          <a:xfrm>
+            <a:off x="2952000" y="1440000"/>
+            <a:ext cx="1620000" cy="576000"/>
+          </a:xfrm>
+          <a:prstGeom prst="rect">
+            <a:avLst/>
+          </a:prstGeom>
+          <a:solidFill>
+            <a:srgbClr val="81d41a">
+              <a:alpha val="80000"/>
+            </a:srgbClr>
+          </a:solidFill>
+          <a:ln w="0">
+            <a:noFill/>
+          </a:ln>
+        </p:spPr>
+        <p:style>
+          <a:lnRef idx="0"/>
+          <a:fillRef idx="0"/>
+          <a:effectRef idx="0"/>
+          <a:fontRef idx="minor"/>
+        </p:style>
+        <p:txBody>
+          <a:bodyPr lIns="90000" rIns="90000" tIns="45000" bIns="45000">
+            <a:noAutofit/>
+          </a:bodyPr>
+          <a:p>
+            <a:pPr>
+              <a:lnSpc>
+                <a:spcPct val="100000"/>
+              </a:lnSpc>
+            </a:pPr>
+            <a:r>
+              <a:rPr b="0" lang="en-US" sz="800" spc="-1" strike="noStrike">
+                <a:solidFill>
+                  <a:srgbClr val="000000"/>
+                </a:solidFill>
+                <a:latin typeface="ＭＳ Ｐゴシック"/>
+                <a:ea typeface="ＭＳ Ｐゴシック"/>
+              </a:rPr>
+              <a:t> </a:t>
+            </a:r>
+            <a:r>
+              <a:rPr b="0" lang="en-US" sz="800" spc="-1" strike="noStrike">
+                <a:solidFill>
+                  <a:srgbClr val="000000"/>
+                </a:solidFill>
+                <a:latin typeface="ＭＳ Ｐゴシック"/>
+                <a:ea typeface="ＭＳ Ｐゴシック"/>
+              </a:rPr>
+              <a:t>Pressure at the exit of fuel supply line is cylinder pressure after compression in Diesel engine. </a:t>
+            </a:r>
+            <a:endParaRPr b="0" lang="en-US" sz="800" spc="-1" strike="noStrike">
+              <a:latin typeface="ＭＳ Ｐゴシック"/>
+            </a:endParaRPr>
+          </a:p>
+        </p:txBody>
+      </p:sp>
+      <p:sp>
+        <p:nvSpPr>
+          <p:cNvPr id="87" name=""/>
+          <p:cNvSpPr/>
+          <p:nvPr/>
+        </p:nvSpPr>
+        <p:spPr>
+          <a:xfrm>
+            <a:off x="3852000" y="3636000"/>
+            <a:ext cx="1620000" cy="504000"/>
+          </a:xfrm>
+          <a:prstGeom prst="rect">
+            <a:avLst/>
+          </a:prstGeom>
+          <a:solidFill>
+            <a:srgbClr val="81d41a">
+              <a:alpha val="80000"/>
+            </a:srgbClr>
+          </a:solidFill>
+          <a:ln w="0">
+            <a:noFill/>
+          </a:ln>
+        </p:spPr>
+        <p:style>
+          <a:lnRef idx="0"/>
+          <a:fillRef idx="0"/>
+          <a:effectRef idx="0"/>
+          <a:fontRef idx="minor"/>
+        </p:style>
+        <p:txBody>
+          <a:bodyPr lIns="90000" rIns="90000" tIns="45000" bIns="45000">
+            <a:noAutofit/>
+          </a:bodyPr>
+          <a:p>
+            <a:pPr>
+              <a:lnSpc>
+                <a:spcPct val="100000"/>
+              </a:lnSpc>
+            </a:pPr>
+            <a:r>
+              <a:rPr b="0" lang="en-US" sz="800" spc="-1" strike="noStrike">
+                <a:solidFill>
+                  <a:srgbClr val="000000"/>
+                </a:solidFill>
+                <a:latin typeface="ＭＳ Ｐゴシック"/>
+                <a:ea typeface="ＭＳ Ｐゴシック"/>
+              </a:rPr>
+              <a:t> </a:t>
+            </a:r>
+            <a:r>
+              <a:rPr b="0" lang="en-US" sz="800" spc="-1" strike="noStrike">
+                <a:solidFill>
+                  <a:srgbClr val="000000"/>
+                </a:solidFill>
+                <a:latin typeface="ＭＳ Ｐゴシック"/>
+                <a:ea typeface="ＭＳ Ｐゴシック"/>
+              </a:rPr>
+              <a:t>Figure out fractions of fuel and air by measuring mass flows of air fuel lines. </a:t>
+            </a:r>
+            <a:endParaRPr b="0" lang="en-US" sz="800" spc="-1" strike="noStrike">
+              <a:latin typeface="ＭＳ Ｐゴシック"/>
+            </a:endParaRPr>
+          </a:p>
+        </p:txBody>
+      </p:sp>
+      <p:sp>
+        <p:nvSpPr>
+          <p:cNvPr id="88" name=""/>
+          <p:cNvSpPr/>
+          <p:nvPr/>
+        </p:nvSpPr>
+        <p:spPr>
+          <a:xfrm>
+            <a:off x="216000" y="3024000"/>
+            <a:ext cx="1584000" cy="540000"/>
+          </a:xfrm>
+          <a:prstGeom prst="rect">
+            <a:avLst/>
+          </a:prstGeom>
+          <a:solidFill>
+            <a:srgbClr val="81d41a">
+              <a:alpha val="70000"/>
+            </a:srgbClr>
+          </a:solidFill>
+          <a:ln w="0">
+            <a:noFill/>
+          </a:ln>
+        </p:spPr>
+        <p:style>
+          <a:lnRef idx="0"/>
+          <a:fillRef idx="0"/>
+          <a:effectRef idx="0"/>
+          <a:fontRef idx="minor"/>
+        </p:style>
+        <p:txBody>
+          <a:bodyPr lIns="90000" rIns="90000" tIns="45000" bIns="45000">
+            <a:noAutofit/>
+          </a:bodyPr>
+          <a:p>
+            <a:pPr>
+              <a:lnSpc>
+                <a:spcPct val="100000"/>
+              </a:lnSpc>
+            </a:pPr>
+            <a:r>
+              <a:rPr b="0" lang="en-US" sz="800" spc="-1" strike="noStrike">
+                <a:solidFill>
+                  <a:srgbClr val="000000"/>
+                </a:solidFill>
+                <a:latin typeface="ＭＳ Ｐゴシック"/>
+                <a:ea typeface="ＭＳ Ｐゴシック"/>
+              </a:rPr>
+              <a:t> </a:t>
+            </a:r>
+            <a:r>
+              <a:rPr b="0" lang="en-US" sz="800" spc="-1" strike="noStrike">
+                <a:solidFill>
+                  <a:srgbClr val="000000"/>
+                </a:solidFill>
+                <a:latin typeface="ＭＳ Ｐゴシック"/>
+                <a:ea typeface="ＭＳ Ｐゴシック"/>
+              </a:rPr>
+              <a:t>Provides pressure sufficient for supply of fuel (substitute of pump).</a:t>
+            </a:r>
+            <a:endParaRPr b="0" lang="en-US" sz="800" spc="-1" strike="noStrike">
+              <a:latin typeface="ＭＳ Ｐゴシック"/>
+            </a:endParaRPr>
+          </a:p>
+        </p:txBody>
+      </p:sp>
+    </p:spTree>
+  </p:cSld>
+  <mc:AlternateContent>
+    <mc:Choice Requires="p14">
+      <p:transition spd="slow" p14:dur="2000"/>
+    </mc:Choice>
+    <mc:Fallback>
+      <p:transition spd="slow"/>
+    </mc:Fallback>
+  </mc:AlternateContent>
+</p:sld>
+</file>
+
+<file path=ppt/slides/slide3.xml><?xml version="1.0" encoding="utf-8"?>
+<p:sld xmlns:a="http://schemas.openxmlformats.org/drawingml/2006/main" xmlns:p="http://schemas.openxmlformats.org/presentationml/2006/main" xmlns:r="http://schemas.openxmlformats.org/officeDocument/2006/relationships" xmlns:p14="http://schemas.microsoft.com/office/powerpoint/2010/main" xmlns:p15="http://schemas.microsoft.com/office/powerpoint/2012/main" xmlns:mc="http://schemas.openxmlformats.org/markup-compatibility/2006">
+  <p:cSld>
+    <p:spTree>
+      <p:nvGrpSpPr>
+        <p:cNvPr id="1" name=""/>
+        <p:cNvGrpSpPr/>
+        <p:nvPr/>
+      </p:nvGrpSpPr>
+      <p:grpSpPr>
+        <a:xfrm>
+          <a:off x="0" y="0"/>
+          <a:ext cx="0" cy="0"/>
+          <a:chOff x="0" y="0"/>
+          <a:chExt cx="0" cy="0"/>
+        </a:xfrm>
+      </p:grpSpPr>
     </p:spTree>
   </p:cSld>
   <mc:AlternateContent>
